--- a/assembly/pictures/MacroScaleResults.pptx
+++ b/assembly/pictures/MacroScaleResults.pptx
@@ -7,7 +7,7 @@
   <p:sldIdLst>
     <p:sldId id="257" r:id="rId2"/>
   </p:sldIdLst>
-  <p:sldSz cx="12192000" cy="6858000"/>
+  <p:sldSz cx="12192000" cy="4297363"/>
   <p:notesSz cx="6858000" cy="9144000"/>
   <p:defaultTextStyle>
     <a:defPPr>
@@ -106,7 +106,7 @@
   </p:defaultTextStyle>
   <p:extLst>
     <p:ext uri="{EFAFB233-063F-42B5-8137-9DF3F51BA10A}">
-      <p15:sldGuideLst xmlns:p15="http://schemas.microsoft.com/office/powerpoint/2012/main"/>
+      <p15:sldGuideLst xmlns:p15="http://schemas.microsoft.com/office/powerpoint/2012/main" xmlns=""/>
     </p:ext>
   </p:extLst>
 </p:presentation>
@@ -117,7 +117,7 @@
 </file>
 
 <file path=ppt/charts/chart1.xml><?xml version="1.0" encoding="utf-8"?>
-<c:chartSpace xmlns:c="http://schemas.openxmlformats.org/drawingml/2006/chart" xmlns:a="http://schemas.openxmlformats.org/drawingml/2006/main" xmlns:r="http://schemas.openxmlformats.org/officeDocument/2006/relationships" xmlns:c16r2="http://schemas.microsoft.com/office/drawing/2015/06/chart">
+<c:chartSpace xmlns:c="http://schemas.openxmlformats.org/drawingml/2006/chart" xmlns:a="http://schemas.openxmlformats.org/drawingml/2006/main" xmlns:r="http://schemas.openxmlformats.org/officeDocument/2006/relationships">
   <c:date1904 val="0"/>
   <c:lang val="en-US"/>
   <c:roundedCorners val="0"/>
@@ -130,83 +130,133 @@
     </mc:Fallback>
   </mc:AlternateContent>
   <c:chart>
-    <c:title>
-      <c:tx>
-        <c:rich>
-          <a:bodyPr rot="0" spcFirstLastPara="1" vertOverflow="ellipsis" vert="horz" wrap="square" anchor="ctr" anchorCtr="1"/>
-          <a:lstStyle/>
-          <a:p>
-            <a:pPr>
-              <a:defRPr sz="2400" b="1" i="0" u="none" strike="noStrike" kern="1200" spc="0" baseline="0">
-                <a:solidFill>
-                  <a:schemeClr val="tx1">
-                    <a:lumMod val="65000"/>
-                    <a:lumOff val="35000"/>
-                  </a:schemeClr>
-                </a:solidFill>
-                <a:latin typeface="+mn-lt"/>
-                <a:ea typeface="+mn-ea"/>
-                <a:cs typeface="+mn-cs"/>
-              </a:defRPr>
-            </a:pPr>
-            <a:r>
-              <a:rPr lang="en-US" sz="2400" baseline="0" dirty="0"/>
-              <a:t>Success Rate of Physical Assembly Model</a:t>
-            </a:r>
-          </a:p>
-        </c:rich>
-      </c:tx>
+    <c:autoTitleDeleted val="1"/>
+    <c:plotArea>
       <c:layout>
         <c:manualLayout>
+          <c:layoutTarget val="inner"/>
           <c:xMode val="edge"/>
           <c:yMode val="edge"/>
-          <c:x val="0.16522214725813333"/>
-          <c:y val="2.3641705564230977E-2"/>
+          <c:x val="0.0937348674644353"/>
+          <c:y val="0.0424949105399044"/>
+          <c:w val="0.690418649991773"/>
+          <c:h val="0.79736545805678"/>
         </c:manualLayout>
       </c:layout>
-      <c:overlay val="0"/>
-      <c:spPr>
-        <a:noFill/>
-        <a:ln>
-          <a:noFill/>
-        </a:ln>
-        <a:effectLst/>
-      </c:spPr>
-      <c:txPr>
-        <a:bodyPr rot="0" spcFirstLastPara="1" vertOverflow="ellipsis" vert="horz" wrap="square" anchor="ctr" anchorCtr="1"/>
-        <a:lstStyle/>
-        <a:p>
-          <a:pPr>
-            <a:defRPr sz="2400" b="1" i="0" u="none" strike="noStrike" kern="1200" spc="0" baseline="0">
-              <a:solidFill>
-                <a:schemeClr val="tx1">
-                  <a:lumMod val="65000"/>
-                  <a:lumOff val="35000"/>
-                </a:schemeClr>
-              </a:solidFill>
-              <a:latin typeface="+mn-lt"/>
-              <a:ea typeface="+mn-ea"/>
-              <a:cs typeface="+mn-cs"/>
-            </a:defRPr>
-          </a:pPr>
-          <a:endParaRPr lang="en-US"/>
-        </a:p>
-      </c:txPr>
-    </c:title>
-    <c:autoTitleDeleted val="0"/>
-    <c:plotArea>
-      <c:layout/>
       <c:scatterChart>
         <c:scatterStyle val="smoothMarker"/>
         <c:varyColors val="0"/>
         <c:ser>
+          <c:idx val="1"/>
+          <c:order val="0"/>
+          <c:tx>
+            <c:v>Three Particle Column</c:v>
+          </c:tx>
+          <c:spPr>
+            <a:ln w="31750" cap="rnd">
+              <a:solidFill>
+                <a:schemeClr val="accent2"/>
+              </a:solidFill>
+              <a:round/>
+            </a:ln>
+            <a:effectLst/>
+          </c:spPr>
+          <c:marker>
+            <c:symbol val="circle"/>
+            <c:size val="5"/>
+            <c:spPr>
+              <a:solidFill>
+                <a:schemeClr val="accent2"/>
+              </a:solidFill>
+              <a:ln w="9525">
+                <a:solidFill>
+                  <a:schemeClr val="accent2"/>
+                </a:solidFill>
+              </a:ln>
+              <a:effectLst/>
+            </c:spPr>
+          </c:marker>
+          <c:xVal>
+            <c:numRef>
+              <c:f>Sheet1!$B$3:$B$10</c:f>
+              <c:numCache>
+                <c:formatCode>General</c:formatCode>
+                <c:ptCount val="8"/>
+                <c:pt idx="0">
+                  <c:v>1.0</c:v>
+                </c:pt>
+                <c:pt idx="1">
+                  <c:v>2.0</c:v>
+                </c:pt>
+                <c:pt idx="2">
+                  <c:v>3.0</c:v>
+                </c:pt>
+                <c:pt idx="3">
+                  <c:v>4.0</c:v>
+                </c:pt>
+                <c:pt idx="4">
+                  <c:v>5.0</c:v>
+                </c:pt>
+                <c:pt idx="5">
+                  <c:v>6.0</c:v>
+                </c:pt>
+                <c:pt idx="6">
+                  <c:v>7.0</c:v>
+                </c:pt>
+                <c:pt idx="7">
+                  <c:v>8.0</c:v>
+                </c:pt>
+              </c:numCache>
+            </c:numRef>
+          </c:xVal>
+          <c:yVal>
+            <c:numRef>
+              <c:f>Sheet1!$D$3:$D$10</c:f>
+              <c:numCache>
+                <c:formatCode>General</c:formatCode>
+                <c:ptCount val="8"/>
+                <c:pt idx="0">
+                  <c:v>100.0</c:v>
+                </c:pt>
+                <c:pt idx="1">
+                  <c:v>90.0</c:v>
+                </c:pt>
+                <c:pt idx="2">
+                  <c:v>80.0</c:v>
+                </c:pt>
+                <c:pt idx="3">
+                  <c:v>70.0</c:v>
+                </c:pt>
+                <c:pt idx="4">
+                  <c:v>50.0</c:v>
+                </c:pt>
+                <c:pt idx="5">
+                  <c:v>40.0</c:v>
+                </c:pt>
+                <c:pt idx="6">
+                  <c:v>30.0</c:v>
+                </c:pt>
+                <c:pt idx="7">
+                  <c:v>10.0</c:v>
+                </c:pt>
+              </c:numCache>
+            </c:numRef>
+          </c:yVal>
+          <c:smooth val="1"/>
+          <c:extLst xmlns:c16r2="http://schemas.microsoft.com/office/drawing/2015/06/chart">
+            <c:ext xmlns:c16="http://schemas.microsoft.com/office/drawing/2014/chart" uri="{C3380CC4-5D6E-409C-BE32-E72D297353CC}">
+              <c16:uniqueId val="{00000001-FABF-45D7-BC31-85FF792AF7BE}"/>
+            </c:ext>
+          </c:extLst>
+        </c:ser>
+        <c:ser>
           <c:idx val="0"/>
-          <c:order val="0"/>
+          <c:order val="1"/>
           <c:tx>
             <c:v>Three Particle Row</c:v>
           </c:tx>
           <c:spPr>
-            <a:ln w="19050" cap="rnd">
+            <a:ln w="31750" cap="rnd">
               <a:solidFill>
                 <a:schemeClr val="accent1"/>
               </a:solidFill>
@@ -236,28 +286,28 @@
                 <c:formatCode>General</c:formatCode>
                 <c:ptCount val="8"/>
                 <c:pt idx="0">
-                  <c:v>1</c:v>
+                  <c:v>1.0</c:v>
                 </c:pt>
                 <c:pt idx="1">
-                  <c:v>2</c:v>
+                  <c:v>2.0</c:v>
                 </c:pt>
                 <c:pt idx="2">
-                  <c:v>3</c:v>
+                  <c:v>3.0</c:v>
                 </c:pt>
                 <c:pt idx="3">
-                  <c:v>4</c:v>
+                  <c:v>4.0</c:v>
                 </c:pt>
                 <c:pt idx="4">
-                  <c:v>5</c:v>
+                  <c:v>5.0</c:v>
                 </c:pt>
                 <c:pt idx="5">
-                  <c:v>6</c:v>
+                  <c:v>6.0</c:v>
                 </c:pt>
                 <c:pt idx="6">
-                  <c:v>7</c:v>
+                  <c:v>7.0</c:v>
                 </c:pt>
                 <c:pt idx="7">
-                  <c:v>8</c:v>
+                  <c:v>8.0</c:v>
                 </c:pt>
               </c:numCache>
             </c:numRef>
@@ -269,139 +319,36 @@
                 <c:formatCode>General</c:formatCode>
                 <c:ptCount val="8"/>
                 <c:pt idx="0">
-                  <c:v>100</c:v>
+                  <c:v>100.0</c:v>
                 </c:pt>
                 <c:pt idx="1">
-                  <c:v>90</c:v>
+                  <c:v>90.0</c:v>
                 </c:pt>
                 <c:pt idx="2">
-                  <c:v>90</c:v>
+                  <c:v>90.0</c:v>
                 </c:pt>
                 <c:pt idx="3">
-                  <c:v>70</c:v>
+                  <c:v>70.0</c:v>
                 </c:pt>
                 <c:pt idx="4">
-                  <c:v>40</c:v>
+                  <c:v>40.0</c:v>
                 </c:pt>
                 <c:pt idx="5">
-                  <c:v>30</c:v>
+                  <c:v>30.0</c:v>
                 </c:pt>
                 <c:pt idx="6">
-                  <c:v>10</c:v>
+                  <c:v>10.0</c:v>
                 </c:pt>
                 <c:pt idx="7">
-                  <c:v>0</c:v>
+                  <c:v>0.0</c:v>
                 </c:pt>
               </c:numCache>
             </c:numRef>
           </c:yVal>
           <c:smooth val="1"/>
-          <c:extLst>
+          <c:extLst xmlns:c16r2="http://schemas.microsoft.com/office/drawing/2015/06/chart">
             <c:ext xmlns:c16="http://schemas.microsoft.com/office/drawing/2014/chart" uri="{C3380CC4-5D6E-409C-BE32-E72D297353CC}">
               <c16:uniqueId val="{00000000-FABF-45D7-BC31-85FF792AF7BE}"/>
-            </c:ext>
-          </c:extLst>
-        </c:ser>
-        <c:ser>
-          <c:idx val="1"/>
-          <c:order val="1"/>
-          <c:tx>
-            <c:v>Three Particle Column</c:v>
-          </c:tx>
-          <c:spPr>
-            <a:ln w="19050" cap="rnd">
-              <a:solidFill>
-                <a:schemeClr val="accent2"/>
-              </a:solidFill>
-              <a:round/>
-            </a:ln>
-            <a:effectLst/>
-          </c:spPr>
-          <c:marker>
-            <c:symbol val="circle"/>
-            <c:size val="5"/>
-            <c:spPr>
-              <a:solidFill>
-                <a:schemeClr val="accent2"/>
-              </a:solidFill>
-              <a:ln w="9525">
-                <a:solidFill>
-                  <a:schemeClr val="accent2"/>
-                </a:solidFill>
-              </a:ln>
-              <a:effectLst/>
-            </c:spPr>
-          </c:marker>
-          <c:xVal>
-            <c:numRef>
-              <c:f>Sheet1!$B$3:$B$10</c:f>
-              <c:numCache>
-                <c:formatCode>General</c:formatCode>
-                <c:ptCount val="8"/>
-                <c:pt idx="0">
-                  <c:v>1</c:v>
-                </c:pt>
-                <c:pt idx="1">
-                  <c:v>2</c:v>
-                </c:pt>
-                <c:pt idx="2">
-                  <c:v>3</c:v>
-                </c:pt>
-                <c:pt idx="3">
-                  <c:v>4</c:v>
-                </c:pt>
-                <c:pt idx="4">
-                  <c:v>5</c:v>
-                </c:pt>
-                <c:pt idx="5">
-                  <c:v>6</c:v>
-                </c:pt>
-                <c:pt idx="6">
-                  <c:v>7</c:v>
-                </c:pt>
-                <c:pt idx="7">
-                  <c:v>8</c:v>
-                </c:pt>
-              </c:numCache>
-            </c:numRef>
-          </c:xVal>
-          <c:yVal>
-            <c:numRef>
-              <c:f>Sheet1!$D$3:$D$10</c:f>
-              <c:numCache>
-                <c:formatCode>General</c:formatCode>
-                <c:ptCount val="8"/>
-                <c:pt idx="0">
-                  <c:v>100</c:v>
-                </c:pt>
-                <c:pt idx="1">
-                  <c:v>90</c:v>
-                </c:pt>
-                <c:pt idx="2">
-                  <c:v>80</c:v>
-                </c:pt>
-                <c:pt idx="3">
-                  <c:v>70</c:v>
-                </c:pt>
-                <c:pt idx="4">
-                  <c:v>50</c:v>
-                </c:pt>
-                <c:pt idx="5">
-                  <c:v>40</c:v>
-                </c:pt>
-                <c:pt idx="6">
-                  <c:v>30</c:v>
-                </c:pt>
-                <c:pt idx="7">
-                  <c:v>10</c:v>
-                </c:pt>
-              </c:numCache>
-            </c:numRef>
-          </c:yVal>
-          <c:smooth val="1"/>
-          <c:extLst>
-            <c:ext xmlns:c16="http://schemas.microsoft.com/office/drawing/2014/chart" uri="{C3380CC4-5D6E-409C-BE32-E72D297353CC}">
-              <c16:uniqueId val="{00000001-FABF-45D7-BC31-85FF792AF7BE}"/>
             </c:ext>
           </c:extLst>
         </c:ser>
@@ -413,15 +360,15 @@
           <c:showPercent val="0"/>
           <c:showBubbleSize val="0"/>
         </c:dLbls>
-        <c:axId val="267379576"/>
-        <c:axId val="267383496"/>
+        <c:axId val="2029320280"/>
+        <c:axId val="2094155080"/>
       </c:scatterChart>
       <c:valAx>
-        <c:axId val="267379576"/>
+        <c:axId val="2029320280"/>
         <c:scaling>
           <c:orientation val="minMax"/>
-          <c:max val="8"/>
-          <c:min val="1"/>
+          <c:max val="8.0"/>
+          <c:min val="1.0"/>
         </c:scaling>
         <c:delete val="0"/>
         <c:axPos val="b"/>
@@ -445,7 +392,10 @@
                   </a:defRPr>
                 </a:pPr>
                 <a:r>
-                  <a:rPr lang="en-US" sz="2200" baseline="0" dirty="0"/>
+                  <a:rPr lang="en-US" sz="2200" baseline="0" dirty="0">
+                    <a:latin typeface="Cambria"/>
+                    <a:cs typeface="Cambria"/>
+                  </a:rPr>
                   <a:t>Number of Particles per Hopper</a:t>
                 </a:r>
               </a:p>
@@ -455,8 +405,8 @@
             <c:manualLayout>
               <c:xMode val="edge"/>
               <c:yMode val="edge"/>
-              <c:x val="0.25697451591373371"/>
-              <c:y val="0.91473453247678593"/>
+              <c:x val="0.256974515913734"/>
+              <c:y val="0.914734532476786"/>
             </c:manualLayout>
           </c:layout>
           <c:overlay val="0"/>
@@ -467,26 +417,6 @@
             </a:ln>
             <a:effectLst/>
           </c:spPr>
-          <c:txPr>
-            <a:bodyPr rot="0" spcFirstLastPara="1" vertOverflow="ellipsis" vert="horz" wrap="square" anchor="ctr" anchorCtr="1"/>
-            <a:lstStyle/>
-            <a:p>
-              <a:pPr>
-                <a:defRPr sz="2200" b="1" i="0" u="none" strike="noStrike" kern="1200" baseline="0">
-                  <a:solidFill>
-                    <a:schemeClr val="tx1">
-                      <a:lumMod val="65000"/>
-                      <a:lumOff val="35000"/>
-                    </a:schemeClr>
-                  </a:solidFill>
-                  <a:latin typeface="+mn-lt"/>
-                  <a:ea typeface="+mn-ea"/>
-                  <a:cs typeface="+mn-cs"/>
-                </a:defRPr>
-              </a:pPr>
-              <a:endParaRPr lang="en-US"/>
-            </a:p>
-          </c:txPr>
         </c:title>
         <c:numFmt formatCode="General" sourceLinked="1"/>
         <c:majorTickMark val="none"/>
@@ -517,23 +447,23 @@
                     <a:lumOff val="35000"/>
                   </a:schemeClr>
                 </a:solidFill>
-                <a:latin typeface="+mn-lt"/>
+                <a:latin typeface="Cambria"/>
                 <a:ea typeface="+mn-ea"/>
-                <a:cs typeface="+mn-cs"/>
+                <a:cs typeface="Cambria"/>
               </a:defRPr>
             </a:pPr>
             <a:endParaRPr lang="en-US"/>
           </a:p>
         </c:txPr>
-        <c:crossAx val="267383496"/>
+        <c:crossAx val="2094155080"/>
         <c:crosses val="autoZero"/>
         <c:crossBetween val="midCat"/>
       </c:valAx>
       <c:valAx>
-        <c:axId val="267383496"/>
+        <c:axId val="2094155080"/>
         <c:scaling>
           <c:orientation val="minMax"/>
-          <c:max val="100"/>
+          <c:max val="100.0"/>
         </c:scaling>
         <c:delete val="0"/>
         <c:axPos val="l"/>
@@ -565,13 +495,16 @@
                         <a:lumOff val="35000"/>
                       </a:schemeClr>
                     </a:solidFill>
-                    <a:latin typeface="+mn-lt"/>
+                    <a:latin typeface="Cambria"/>
                     <a:ea typeface="+mn-ea"/>
-                    <a:cs typeface="+mn-cs"/>
+                    <a:cs typeface="Cambria"/>
                   </a:defRPr>
                 </a:pPr>
                 <a:r>
-                  <a:rPr lang="en-US" sz="2200" baseline="0"/>
+                  <a:rPr lang="en-US" sz="2200" baseline="0" dirty="0">
+                    <a:latin typeface="Cambria"/>
+                    <a:cs typeface="Cambria"/>
+                  </a:rPr>
                   <a:t>Success Rate (%)</a:t>
                 </a:r>
               </a:p>
@@ -581,8 +514,8 @@
             <c:manualLayout>
               <c:xMode val="edge"/>
               <c:yMode val="edge"/>
-              <c:x val="4.9440131153130609E-3"/>
-              <c:y val="0.33266724953814275"/>
+              <c:x val="0.00494403193655406"/>
+              <c:y val="0.214446555452436"/>
             </c:manualLayout>
           </c:layout>
           <c:overlay val="0"/>
@@ -593,26 +526,6 @@
             </a:ln>
             <a:effectLst/>
           </c:spPr>
-          <c:txPr>
-            <a:bodyPr rot="-5400000" spcFirstLastPara="1" vertOverflow="ellipsis" vert="horz" wrap="square" anchor="ctr" anchorCtr="1"/>
-            <a:lstStyle/>
-            <a:p>
-              <a:pPr>
-                <a:defRPr sz="2200" b="1" i="0" u="none" strike="noStrike" kern="1200" baseline="0">
-                  <a:solidFill>
-                    <a:schemeClr val="tx1">
-                      <a:lumMod val="65000"/>
-                      <a:lumOff val="35000"/>
-                    </a:schemeClr>
-                  </a:solidFill>
-                  <a:latin typeface="+mn-lt"/>
-                  <a:ea typeface="+mn-ea"/>
-                  <a:cs typeface="+mn-cs"/>
-                </a:defRPr>
-              </a:pPr>
-              <a:endParaRPr lang="en-US"/>
-            </a:p>
-          </c:txPr>
         </c:title>
         <c:numFmt formatCode="General" sourceLinked="1"/>
         <c:majorTickMark val="none"/>
@@ -643,15 +556,15 @@
                     <a:lumOff val="35000"/>
                   </a:schemeClr>
                 </a:solidFill>
-                <a:latin typeface="+mn-lt"/>
+                <a:latin typeface="Cambria"/>
                 <a:ea typeface="+mn-ea"/>
-                <a:cs typeface="+mn-cs"/>
+                <a:cs typeface="Cambria"/>
               </a:defRPr>
             </a:pPr>
             <a:endParaRPr lang="en-US"/>
           </a:p>
         </c:txPr>
-        <c:crossAx val="267379576"/>
+        <c:crossAx val="2029320280"/>
         <c:crosses val="autoZero"/>
         <c:crossBetween val="midCat"/>
       </c:valAx>
@@ -669,10 +582,10 @@
         <c:manualLayout>
           <c:xMode val="edge"/>
           <c:yMode val="edge"/>
-          <c:x val="0.81247319736981305"/>
-          <c:y val="0.70851783720663208"/>
-          <c:w val="0.18752680263018695"/>
-          <c:h val="0.10480259734548945"/>
+          <c:x val="0.560290691523711"/>
+          <c:y val="0.209035869242448"/>
+          <c:w val="0.215076152008333"/>
+          <c:h val="0.155046296856543"/>
         </c:manualLayout>
       </c:layout>
       <c:overlay val="0"/>
@@ -695,9 +608,9 @@
                   <a:lumOff val="35000"/>
                 </a:schemeClr>
               </a:solidFill>
-              <a:latin typeface="+mn-lt"/>
+              <a:latin typeface="Cambria"/>
               <a:ea typeface="+mn-ea"/>
-              <a:cs typeface="+mn-cs"/>
+              <a:cs typeface="Cambria"/>
             </a:defRPr>
           </a:pPr>
           <a:endParaRPr lang="en-US"/>
@@ -725,586 +638,30 @@
       <a:endParaRPr lang="en-US"/>
     </a:p>
   </c:txPr>
-  <c:externalData r:id="rId3">
+  <c:externalData r:id="rId1">
     <c:autoUpdate val="0"/>
   </c:externalData>
-  <c:userShapes r:id="rId4"/>
+  <c:userShapes r:id="rId2"/>
 </c:chartSpace>
-</file>
-
-<file path=ppt/charts/colors1.xml><?xml version="1.0" encoding="utf-8"?>
-<cs:colorStyle xmlns:cs="http://schemas.microsoft.com/office/drawing/2012/chartStyle" xmlns:a="http://schemas.openxmlformats.org/drawingml/2006/main" meth="cycle" id="10">
-  <a:schemeClr val="accent1"/>
-  <a:schemeClr val="accent2"/>
-  <a:schemeClr val="accent3"/>
-  <a:schemeClr val="accent4"/>
-  <a:schemeClr val="accent5"/>
-  <a:schemeClr val="accent6"/>
-  <cs:variation/>
-  <cs:variation>
-    <a:lumMod val="60000"/>
-  </cs:variation>
-  <cs:variation>
-    <a:lumMod val="80000"/>
-    <a:lumOff val="20000"/>
-  </cs:variation>
-  <cs:variation>
-    <a:lumMod val="80000"/>
-  </cs:variation>
-  <cs:variation>
-    <a:lumMod val="60000"/>
-    <a:lumOff val="40000"/>
-  </cs:variation>
-  <cs:variation>
-    <a:lumMod val="50000"/>
-  </cs:variation>
-  <cs:variation>
-    <a:lumMod val="70000"/>
-    <a:lumOff val="30000"/>
-  </cs:variation>
-  <cs:variation>
-    <a:lumMod val="70000"/>
-  </cs:variation>
-  <cs:variation>
-    <a:lumMod val="50000"/>
-    <a:lumOff val="50000"/>
-  </cs:variation>
-</cs:colorStyle>
-</file>
-
-<file path=ppt/charts/style1.xml><?xml version="1.0" encoding="utf-8"?>
-<cs:chartStyle xmlns:cs="http://schemas.microsoft.com/office/drawing/2012/chartStyle" xmlns:a="http://schemas.openxmlformats.org/drawingml/2006/main" id="240">
-  <cs:axisTitle>
-    <cs:lnRef idx="0"/>
-    <cs:fillRef idx="0"/>
-    <cs:effectRef idx="0"/>
-    <cs:fontRef idx="minor">
-      <a:schemeClr val="tx1">
-        <a:lumMod val="65000"/>
-        <a:lumOff val="35000"/>
-      </a:schemeClr>
-    </cs:fontRef>
-    <cs:defRPr sz="1000" kern="1200"/>
-  </cs:axisTitle>
-  <cs:categoryAxis>
-    <cs:lnRef idx="0"/>
-    <cs:fillRef idx="0"/>
-    <cs:effectRef idx="0"/>
-    <cs:fontRef idx="minor">
-      <a:schemeClr val="tx1">
-        <a:lumMod val="65000"/>
-        <a:lumOff val="35000"/>
-      </a:schemeClr>
-    </cs:fontRef>
-    <cs:spPr>
-      <a:ln w="9525" cap="flat" cmpd="sng" algn="ctr">
-        <a:solidFill>
-          <a:schemeClr val="tx1">
-            <a:lumMod val="25000"/>
-            <a:lumOff val="75000"/>
-          </a:schemeClr>
-        </a:solidFill>
-        <a:round/>
-      </a:ln>
-    </cs:spPr>
-    <cs:defRPr sz="900" kern="1200"/>
-  </cs:categoryAxis>
-  <cs:chartArea mods="allowNoFillOverride allowNoLineOverride">
-    <cs:lnRef idx="0"/>
-    <cs:fillRef idx="0"/>
-    <cs:effectRef idx="0"/>
-    <cs:fontRef idx="minor">
-      <a:schemeClr val="tx1"/>
-    </cs:fontRef>
-    <cs:spPr>
-      <a:solidFill>
-        <a:schemeClr val="bg1"/>
-      </a:solidFill>
-      <a:ln w="9525" cap="flat" cmpd="sng" algn="ctr">
-        <a:solidFill>
-          <a:schemeClr val="tx1">
-            <a:lumMod val="15000"/>
-            <a:lumOff val="85000"/>
-          </a:schemeClr>
-        </a:solidFill>
-        <a:round/>
-      </a:ln>
-    </cs:spPr>
-    <cs:defRPr sz="1000" kern="1200"/>
-  </cs:chartArea>
-  <cs:dataLabel>
-    <cs:lnRef idx="0"/>
-    <cs:fillRef idx="0"/>
-    <cs:effectRef idx="0"/>
-    <cs:fontRef idx="minor">
-      <a:schemeClr val="tx1">
-        <a:lumMod val="75000"/>
-        <a:lumOff val="25000"/>
-      </a:schemeClr>
-    </cs:fontRef>
-    <cs:defRPr sz="900" kern="1200"/>
-  </cs:dataLabel>
-  <cs:dataLabelCallout>
-    <cs:lnRef idx="0"/>
-    <cs:fillRef idx="0"/>
-    <cs:effectRef idx="0"/>
-    <cs:fontRef idx="minor">
-      <a:schemeClr val="dk1">
-        <a:lumMod val="65000"/>
-        <a:lumOff val="35000"/>
-      </a:schemeClr>
-    </cs:fontRef>
-    <cs:spPr>
-      <a:solidFill>
-        <a:schemeClr val="lt1"/>
-      </a:solidFill>
-      <a:ln>
-        <a:solidFill>
-          <a:schemeClr val="dk1">
-            <a:lumMod val="25000"/>
-            <a:lumOff val="75000"/>
-          </a:schemeClr>
-        </a:solidFill>
-      </a:ln>
-    </cs:spPr>
-    <cs:defRPr sz="900" kern="1200"/>
-    <cs:bodyPr rot="0" spcFirstLastPara="1" vertOverflow="clip" horzOverflow="clip" vert="horz" wrap="square" lIns="36576" tIns="18288" rIns="36576" bIns="18288" anchor="ctr" anchorCtr="1">
-      <a:spAutoFit/>
-    </cs:bodyPr>
-  </cs:dataLabelCallout>
-  <cs:dataPoint>
-    <cs:lnRef idx="0"/>
-    <cs:fillRef idx="1">
-      <cs:styleClr val="auto"/>
-    </cs:fillRef>
-    <cs:effectRef idx="0"/>
-    <cs:fontRef idx="minor">
-      <a:schemeClr val="tx1"/>
-    </cs:fontRef>
-  </cs:dataPoint>
-  <cs:dataPoint3D>
-    <cs:lnRef idx="0"/>
-    <cs:fillRef idx="1">
-      <cs:styleClr val="auto"/>
-    </cs:fillRef>
-    <cs:effectRef idx="0"/>
-    <cs:fontRef idx="minor">
-      <a:schemeClr val="tx1"/>
-    </cs:fontRef>
-  </cs:dataPoint3D>
-  <cs:dataPointLine>
-    <cs:lnRef idx="0">
-      <cs:styleClr val="auto"/>
-    </cs:lnRef>
-    <cs:fillRef idx="1"/>
-    <cs:effectRef idx="0"/>
-    <cs:fontRef idx="minor">
-      <a:schemeClr val="tx1"/>
-    </cs:fontRef>
-    <cs:spPr>
-      <a:ln w="19050" cap="rnd">
-        <a:solidFill>
-          <a:schemeClr val="phClr"/>
-        </a:solidFill>
-        <a:round/>
-      </a:ln>
-    </cs:spPr>
-  </cs:dataPointLine>
-  <cs:dataPointMarker>
-    <cs:lnRef idx="0">
-      <cs:styleClr val="auto"/>
-    </cs:lnRef>
-    <cs:fillRef idx="1">
-      <cs:styleClr val="auto"/>
-    </cs:fillRef>
-    <cs:effectRef idx="0"/>
-    <cs:fontRef idx="minor">
-      <a:schemeClr val="tx1"/>
-    </cs:fontRef>
-    <cs:spPr>
-      <a:ln w="9525">
-        <a:solidFill>
-          <a:schemeClr val="phClr"/>
-        </a:solidFill>
-      </a:ln>
-    </cs:spPr>
-  </cs:dataPointMarker>
-  <cs:dataPointMarkerLayout symbol="circle" size="5"/>
-  <cs:dataPointWireframe>
-    <cs:lnRef idx="0">
-      <cs:styleClr val="auto"/>
-    </cs:lnRef>
-    <cs:fillRef idx="0"/>
-    <cs:effectRef idx="0"/>
-    <cs:fontRef idx="minor">
-      <a:schemeClr val="dk1"/>
-    </cs:fontRef>
-    <cs:spPr>
-      <a:ln w="9525" cap="rnd">
-        <a:solidFill>
-          <a:schemeClr val="phClr"/>
-        </a:solidFill>
-        <a:round/>
-      </a:ln>
-    </cs:spPr>
-  </cs:dataPointWireframe>
-  <cs:dataTable>
-    <cs:lnRef idx="0"/>
-    <cs:fillRef idx="0"/>
-    <cs:effectRef idx="0"/>
-    <cs:fontRef idx="minor">
-      <a:schemeClr val="tx1">
-        <a:lumMod val="65000"/>
-        <a:lumOff val="35000"/>
-      </a:schemeClr>
-    </cs:fontRef>
-    <cs:spPr>
-      <a:noFill/>
-      <a:ln w="9525" cap="flat" cmpd="sng" algn="ctr">
-        <a:solidFill>
-          <a:schemeClr val="tx1">
-            <a:lumMod val="15000"/>
-            <a:lumOff val="85000"/>
-          </a:schemeClr>
-        </a:solidFill>
-        <a:round/>
-      </a:ln>
-    </cs:spPr>
-    <cs:defRPr sz="900" kern="1200"/>
-  </cs:dataTable>
-  <cs:downBar>
-    <cs:lnRef idx="0"/>
-    <cs:fillRef idx="0"/>
-    <cs:effectRef idx="0"/>
-    <cs:fontRef idx="minor">
-      <a:schemeClr val="tx1"/>
-    </cs:fontRef>
-    <cs:spPr>
-      <a:solidFill>
-        <a:schemeClr val="dk1">
-          <a:lumMod val="75000"/>
-          <a:lumOff val="25000"/>
-        </a:schemeClr>
-      </a:solidFill>
-      <a:ln w="9525" cap="flat" cmpd="sng" algn="ctr">
-        <a:solidFill>
-          <a:schemeClr val="tx1">
-            <a:lumMod val="65000"/>
-            <a:lumOff val="35000"/>
-          </a:schemeClr>
-        </a:solidFill>
-        <a:round/>
-      </a:ln>
-    </cs:spPr>
-  </cs:downBar>
-  <cs:dropLine>
-    <cs:lnRef idx="0"/>
-    <cs:fillRef idx="0"/>
-    <cs:effectRef idx="0"/>
-    <cs:fontRef idx="minor">
-      <a:schemeClr val="tx1"/>
-    </cs:fontRef>
-    <cs:spPr>
-      <a:ln w="9525" cap="flat" cmpd="sng" algn="ctr">
-        <a:solidFill>
-          <a:schemeClr val="tx1">
-            <a:lumMod val="35000"/>
-            <a:lumOff val="65000"/>
-          </a:schemeClr>
-        </a:solidFill>
-        <a:round/>
-      </a:ln>
-    </cs:spPr>
-  </cs:dropLine>
-  <cs:errorBar>
-    <cs:lnRef idx="0"/>
-    <cs:fillRef idx="0"/>
-    <cs:effectRef idx="0"/>
-    <cs:fontRef idx="minor">
-      <a:schemeClr val="tx1"/>
-    </cs:fontRef>
-    <cs:spPr>
-      <a:ln w="9525" cap="flat" cmpd="sng" algn="ctr">
-        <a:solidFill>
-          <a:schemeClr val="tx1">
-            <a:lumMod val="65000"/>
-            <a:lumOff val="35000"/>
-          </a:schemeClr>
-        </a:solidFill>
-        <a:round/>
-      </a:ln>
-    </cs:spPr>
-  </cs:errorBar>
-  <cs:floor>
-    <cs:lnRef idx="0"/>
-    <cs:fillRef idx="0"/>
-    <cs:effectRef idx="0"/>
-    <cs:fontRef idx="minor">
-      <a:schemeClr val="tx1"/>
-    </cs:fontRef>
-    <cs:spPr>
-      <a:noFill/>
-      <a:ln>
-        <a:noFill/>
-      </a:ln>
-    </cs:spPr>
-  </cs:floor>
-  <cs:gridlineMajor>
-    <cs:lnRef idx="0"/>
-    <cs:fillRef idx="0"/>
-    <cs:effectRef idx="0"/>
-    <cs:fontRef idx="minor">
-      <a:schemeClr val="tx1"/>
-    </cs:fontRef>
-    <cs:spPr>
-      <a:ln w="9525" cap="flat" cmpd="sng" algn="ctr">
-        <a:solidFill>
-          <a:schemeClr val="tx1">
-            <a:lumMod val="15000"/>
-            <a:lumOff val="85000"/>
-          </a:schemeClr>
-        </a:solidFill>
-        <a:round/>
-      </a:ln>
-    </cs:spPr>
-  </cs:gridlineMajor>
-  <cs:gridlineMinor>
-    <cs:lnRef idx="0"/>
-    <cs:fillRef idx="0"/>
-    <cs:effectRef idx="0"/>
-    <cs:fontRef idx="minor">
-      <a:schemeClr val="tx1"/>
-    </cs:fontRef>
-    <cs:spPr>
-      <a:ln w="9525" cap="flat" cmpd="sng" algn="ctr">
-        <a:solidFill>
-          <a:schemeClr val="tx1">
-            <a:lumMod val="5000"/>
-            <a:lumOff val="95000"/>
-          </a:schemeClr>
-        </a:solidFill>
-        <a:round/>
-      </a:ln>
-    </cs:spPr>
-  </cs:gridlineMinor>
-  <cs:hiLoLine>
-    <cs:lnRef idx="0"/>
-    <cs:fillRef idx="0"/>
-    <cs:effectRef idx="0"/>
-    <cs:fontRef idx="minor">
-      <a:schemeClr val="tx1"/>
-    </cs:fontRef>
-    <cs:spPr>
-      <a:ln w="9525" cap="flat" cmpd="sng" algn="ctr">
-        <a:solidFill>
-          <a:schemeClr val="tx1">
-            <a:lumMod val="50000"/>
-            <a:lumOff val="50000"/>
-          </a:schemeClr>
-        </a:solidFill>
-        <a:round/>
-      </a:ln>
-    </cs:spPr>
-  </cs:hiLoLine>
-  <cs:leaderLine>
-    <cs:lnRef idx="0"/>
-    <cs:fillRef idx="0"/>
-    <cs:effectRef idx="0"/>
-    <cs:fontRef idx="minor">
-      <a:schemeClr val="tx1"/>
-    </cs:fontRef>
-    <cs:spPr>
-      <a:ln w="9525" cap="flat" cmpd="sng" algn="ctr">
-        <a:solidFill>
-          <a:schemeClr val="tx1">
-            <a:lumMod val="35000"/>
-            <a:lumOff val="65000"/>
-          </a:schemeClr>
-        </a:solidFill>
-        <a:round/>
-      </a:ln>
-    </cs:spPr>
-  </cs:leaderLine>
-  <cs:legend>
-    <cs:lnRef idx="0"/>
-    <cs:fillRef idx="0"/>
-    <cs:effectRef idx="0"/>
-    <cs:fontRef idx="minor">
-      <a:schemeClr val="tx1">
-        <a:lumMod val="65000"/>
-        <a:lumOff val="35000"/>
-      </a:schemeClr>
-    </cs:fontRef>
-    <cs:defRPr sz="900" kern="1200"/>
-  </cs:legend>
-  <cs:plotArea mods="allowNoFillOverride allowNoLineOverride">
-    <cs:lnRef idx="0"/>
-    <cs:fillRef idx="0"/>
-    <cs:effectRef idx="0"/>
-    <cs:fontRef idx="minor">
-      <a:schemeClr val="tx1"/>
-    </cs:fontRef>
-  </cs:plotArea>
-  <cs:plotArea3D mods="allowNoFillOverride allowNoLineOverride">
-    <cs:lnRef idx="0"/>
-    <cs:fillRef idx="0"/>
-    <cs:effectRef idx="0"/>
-    <cs:fontRef idx="minor">
-      <a:schemeClr val="tx1"/>
-    </cs:fontRef>
-  </cs:plotArea3D>
-  <cs:seriesAxis>
-    <cs:lnRef idx="0"/>
-    <cs:fillRef idx="0"/>
-    <cs:effectRef idx="0"/>
-    <cs:fontRef idx="minor">
-      <a:schemeClr val="tx1">
-        <a:lumMod val="65000"/>
-        <a:lumOff val="35000"/>
-      </a:schemeClr>
-    </cs:fontRef>
-    <cs:defRPr sz="900" kern="1200"/>
-  </cs:seriesAxis>
-  <cs:seriesLine>
-    <cs:lnRef idx="0"/>
-    <cs:fillRef idx="0"/>
-    <cs:effectRef idx="0"/>
-    <cs:fontRef idx="minor">
-      <a:schemeClr val="tx1"/>
-    </cs:fontRef>
-    <cs:spPr>
-      <a:ln w="9525" cap="flat" cmpd="sng" algn="ctr">
-        <a:solidFill>
-          <a:schemeClr val="tx1">
-            <a:lumMod val="35000"/>
-            <a:lumOff val="65000"/>
-          </a:schemeClr>
-        </a:solidFill>
-        <a:round/>
-      </a:ln>
-    </cs:spPr>
-  </cs:seriesLine>
-  <cs:title>
-    <cs:lnRef idx="0"/>
-    <cs:fillRef idx="0"/>
-    <cs:effectRef idx="0"/>
-    <cs:fontRef idx="minor">
-      <a:schemeClr val="tx1">
-        <a:lumMod val="65000"/>
-        <a:lumOff val="35000"/>
-      </a:schemeClr>
-    </cs:fontRef>
-    <cs:defRPr sz="1400" b="0" kern="1200" spc="0" baseline="0"/>
-  </cs:title>
-  <cs:trendline>
-    <cs:lnRef idx="0">
-      <cs:styleClr val="auto"/>
-    </cs:lnRef>
-    <cs:fillRef idx="0"/>
-    <cs:effectRef idx="0"/>
-    <cs:fontRef idx="minor">
-      <a:schemeClr val="tx1"/>
-    </cs:fontRef>
-    <cs:spPr>
-      <a:ln w="19050" cap="rnd">
-        <a:solidFill>
-          <a:schemeClr val="phClr"/>
-        </a:solidFill>
-        <a:prstDash val="sysDot"/>
-      </a:ln>
-    </cs:spPr>
-  </cs:trendline>
-  <cs:trendlineLabel>
-    <cs:lnRef idx="0"/>
-    <cs:fillRef idx="0"/>
-    <cs:effectRef idx="0"/>
-    <cs:fontRef idx="minor">
-      <a:schemeClr val="tx1">
-        <a:lumMod val="65000"/>
-        <a:lumOff val="35000"/>
-      </a:schemeClr>
-    </cs:fontRef>
-    <cs:defRPr sz="900" kern="1200"/>
-  </cs:trendlineLabel>
-  <cs:upBar>
-    <cs:lnRef idx="0"/>
-    <cs:fillRef idx="0"/>
-    <cs:effectRef idx="0"/>
-    <cs:fontRef idx="minor">
-      <a:schemeClr val="tx1"/>
-    </cs:fontRef>
-    <cs:spPr>
-      <a:solidFill>
-        <a:schemeClr val="lt1"/>
-      </a:solidFill>
-      <a:ln w="9525" cap="flat" cmpd="sng" algn="ctr">
-        <a:solidFill>
-          <a:schemeClr val="tx1">
-            <a:lumMod val="65000"/>
-            <a:lumOff val="35000"/>
-          </a:schemeClr>
-        </a:solidFill>
-        <a:round/>
-      </a:ln>
-    </cs:spPr>
-  </cs:upBar>
-  <cs:valueAxis>
-    <cs:lnRef idx="0"/>
-    <cs:fillRef idx="0"/>
-    <cs:effectRef idx="0"/>
-    <cs:fontRef idx="minor">
-      <a:schemeClr val="tx1">
-        <a:lumMod val="65000"/>
-        <a:lumOff val="35000"/>
-      </a:schemeClr>
-    </cs:fontRef>
-    <cs:spPr>
-      <a:ln w="9525" cap="flat" cmpd="sng" algn="ctr">
-        <a:solidFill>
-          <a:schemeClr val="tx1">
-            <a:lumMod val="25000"/>
-            <a:lumOff val="75000"/>
-          </a:schemeClr>
-        </a:solidFill>
-        <a:round/>
-      </a:ln>
-    </cs:spPr>
-    <cs:defRPr sz="900" kern="1200"/>
-  </cs:valueAxis>
-  <cs:wall>
-    <cs:lnRef idx="0"/>
-    <cs:fillRef idx="0"/>
-    <cs:effectRef idx="0"/>
-    <cs:fontRef idx="minor">
-      <a:schemeClr val="tx1"/>
-    </cs:fontRef>
-    <cs:spPr>
-      <a:noFill/>
-      <a:ln>
-        <a:noFill/>
-      </a:ln>
-    </cs:spPr>
-  </cs:wall>
-</cs:chartStyle>
 </file>
 
 <file path=ppt/drawings/drawing1.xml><?xml version="1.0" encoding="utf-8"?>
 <c:userShapes xmlns:c="http://schemas.openxmlformats.org/drawingml/2006/chart">
   <cdr:relSizeAnchor xmlns:cdr="http://schemas.openxmlformats.org/drawingml/2006/chartDrawing">
     <cdr:from>
-      <cdr:x>0.8142</cdr:x>
-      <cdr:y>0.10463</cdr:y>
+      <cdr:x>0.79877</cdr:x>
+      <cdr:y>0.14811</cdr:y>
     </cdr:from>
     <cdr:to>
       <cdr:x>1</cdr:x>
-      <cdr:y>0.30904</cdr:y>
+      <cdr:y>0.36949</cdr:y>
     </cdr:to>
     <cdr:pic>
       <cdr:nvPicPr>
         <cdr:cNvPr id="2" name="Picture 1">
           <a:extLst xmlns:a="http://schemas.openxmlformats.org/drawingml/2006/main">
             <a:ext uri="{FF2B5EF4-FFF2-40B4-BE49-F238E27FC236}">
-              <a16:creationId xmlns:a16="http://schemas.microsoft.com/office/drawing/2014/main" id="{00000000-0008-0000-0000-000003000000}"/>
+              <a16:creationId xmlns:a16="http://schemas.microsoft.com/office/drawing/2014/main" xmlns="" id="{00000000-0008-0000-0000-000003000000}"/>
             </a:ext>
           </a:extLst>
         </cdr:cNvPr>
@@ -1326,8 +683,8 @@
       </cdr:blipFill>
       <cdr:spPr>
         <a:xfrm xmlns:a="http://schemas.openxmlformats.org/drawingml/2006/main">
-          <a:off x="9758809" y="642434"/>
-          <a:ext cx="2226955" cy="1255101"/>
+          <a:off x="9573909" y="636428"/>
+          <a:ext cx="2411855" cy="951290"/>
         </a:xfrm>
         <a:prstGeom xmlns:a="http://schemas.openxmlformats.org/drawingml/2006/main" prst="rect">
           <a:avLst/>
@@ -1337,54 +694,22 @@
   </cdr:relSizeAnchor>
   <cdr:relSizeAnchor xmlns:cdr="http://schemas.openxmlformats.org/drawingml/2006/chartDrawing">
     <cdr:from>
-      <cdr:x>0.815</cdr:x>
-      <cdr:y>0</cdr:y>
+      <cdr:x>0.80096</cdr:x>
+      <cdr:y>0.39802</cdr:y>
     </cdr:from>
     <cdr:to>
-      <cdr:x>0.89129</cdr:x>
-      <cdr:y>0.04819</cdr:y>
+      <cdr:x>1</cdr:x>
+      <cdr:y>0.50412</cdr:y>
     </cdr:to>
     <cdr:sp macro="" textlink="">
       <cdr:nvSpPr>
-        <cdr:cNvPr id="3" name="TextBox 2"/>
+        <cdr:cNvPr id="6" name="TextBox 5"/>
         <cdr:cNvSpPr txBox="1"/>
       </cdr:nvSpPr>
       <cdr:spPr>
         <a:xfrm xmlns:a="http://schemas.openxmlformats.org/drawingml/2006/main">
-          <a:off x="9768390" y="0"/>
-          <a:ext cx="914400" cy="295907"/>
-        </a:xfrm>
-        <a:prstGeom xmlns:a="http://schemas.openxmlformats.org/drawingml/2006/main" prst="rect">
-          <a:avLst/>
-        </a:prstGeom>
-      </cdr:spPr>
-      <cdr:txBody>
-        <a:bodyPr xmlns:a="http://schemas.openxmlformats.org/drawingml/2006/main" vertOverflow="clip" wrap="square" rtlCol="0"/>
-        <a:lstStyle xmlns:a="http://schemas.openxmlformats.org/drawingml/2006/main"/>
-        <a:p xmlns:a="http://schemas.openxmlformats.org/drawingml/2006/main">
-          <a:endParaRPr lang="en-US" sz="1100"/>
-        </a:p>
-      </cdr:txBody>
-    </cdr:sp>
-  </cdr:relSizeAnchor>
-  <cdr:relSizeAnchor xmlns:cdr="http://schemas.openxmlformats.org/drawingml/2006/chartDrawing">
-    <cdr:from>
-      <cdr:x>0.8043</cdr:x>
-      <cdr:y>0.03956</cdr:y>
-    </cdr:from>
-    <cdr:to>
-      <cdr:x>0.98231</cdr:x>
-      <cdr:y>0.10431</cdr:y>
-    </cdr:to>
-    <cdr:sp macro="" textlink="">
-      <cdr:nvSpPr>
-        <cdr:cNvPr id="4" name="TextBox 3"/>
-        <cdr:cNvSpPr txBox="1"/>
-      </cdr:nvSpPr>
-      <cdr:spPr>
-        <a:xfrm xmlns:a="http://schemas.openxmlformats.org/drawingml/2006/main">
-          <a:off x="9640129" y="242898"/>
-          <a:ext cx="2133600" cy="397566"/>
+          <a:off x="9600163" y="1710294"/>
+          <a:ext cx="2385601" cy="455943"/>
         </a:xfrm>
         <a:prstGeom xmlns:a="http://schemas.openxmlformats.org/drawingml/2006/main" prst="rect">
           <a:avLst/>
@@ -1396,31 +721,38 @@
         <a:p xmlns:a="http://schemas.openxmlformats.org/drawingml/2006/main">
           <a:pPr algn="ctr"/>
           <a:r>
-            <a:rPr lang="en-US" sz="2400" b="1" dirty="0"/>
-            <a:t>Column</a:t>
+            <a:rPr lang="en-US" sz="2400" b="1" dirty="0" smtClean="0">
+              <a:latin typeface="Cambria"/>
+              <a:cs typeface="Cambria"/>
+            </a:rPr>
+            <a:t>Row</a:t>
           </a:r>
+          <a:endParaRPr lang="en-US" sz="2400" b="1" dirty="0">
+            <a:latin typeface="Cambria"/>
+            <a:cs typeface="Cambria"/>
+          </a:endParaRPr>
         </a:p>
       </cdr:txBody>
     </cdr:sp>
   </cdr:relSizeAnchor>
   <cdr:relSizeAnchor xmlns:cdr="http://schemas.openxmlformats.org/drawingml/2006/chartDrawing">
     <cdr:from>
-      <cdr:x>0.815</cdr:x>
-      <cdr:y>0.34172</cdr:y>
+      <cdr:x>0.79895</cdr:x>
+      <cdr:y>0.03956</cdr:y>
     </cdr:from>
     <cdr:to>
-      <cdr:x>0.99115</cdr:x>
-      <cdr:y>0.39999</cdr:y>
+      <cdr:x>1</cdr:x>
+      <cdr:y>0.17391</cdr:y>
     </cdr:to>
     <cdr:sp macro="" textlink="">
       <cdr:nvSpPr>
-        <cdr:cNvPr id="6" name="TextBox 5"/>
+        <cdr:cNvPr id="4" name="TextBox 3"/>
         <cdr:cNvSpPr txBox="1"/>
       </cdr:nvSpPr>
       <cdr:spPr>
         <a:xfrm xmlns:a="http://schemas.openxmlformats.org/drawingml/2006/main">
-          <a:off x="9768390" y="2098203"/>
-          <a:ext cx="2111356" cy="357808"/>
+          <a:off x="9576026" y="169991"/>
+          <a:ext cx="2409738" cy="577309"/>
         </a:xfrm>
         <a:prstGeom xmlns:a="http://schemas.openxmlformats.org/drawingml/2006/main" prst="rect">
           <a:avLst/>
@@ -1432,8 +764,11 @@
         <a:p xmlns:a="http://schemas.openxmlformats.org/drawingml/2006/main">
           <a:pPr algn="ctr"/>
           <a:r>
-            <a:rPr lang="en-US" sz="2400" b="1" dirty="0"/>
-            <a:t>Row</a:t>
+            <a:rPr lang="en-US" sz="2400" b="1" dirty="0">
+              <a:latin typeface="Cambria"/>
+              <a:cs typeface="Cambria"/>
+            </a:rPr>
+            <a:t>Column</a:t>
           </a:r>
         </a:p>
       </cdr:txBody>
@@ -1471,8 +806,8 @@
         </p:nvSpPr>
         <p:spPr>
           <a:xfrm>
-            <a:off x="1524000" y="1122363"/>
-            <a:ext cx="9144000" cy="2387600"/>
+            <a:off x="1524000" y="703296"/>
+            <a:ext cx="9144000" cy="1496119"/>
           </a:xfrm>
         </p:spPr>
         <p:txBody>
@@ -1502,8 +837,8 @@
         </p:nvSpPr>
         <p:spPr>
           <a:xfrm>
-            <a:off x="1524000" y="3602038"/>
-            <a:ext cx="9144000" cy="1655762"/>
+            <a:off x="1524000" y="2257111"/>
+            <a:ext cx="9144000" cy="1037534"/>
           </a:xfrm>
         </p:spPr>
         <p:txBody>
@@ -1571,7 +906,7 @@
           <a:p>
             <a:fld id="{00C994A5-AB32-45CA-B475-45CFA30BA6C0}" type="datetimeFigureOut">
               <a:rPr lang="en-US" smtClean="0"/>
-              <a:t>5/2/2017</a:t>
+              <a:t>5/3/17</a:t>
             </a:fld>
             <a:endParaRPr lang="en-US"/>
           </a:p>
@@ -1739,7 +1074,7 @@
           <a:p>
             <a:fld id="{00C994A5-AB32-45CA-B475-45CFA30BA6C0}" type="datetimeFigureOut">
               <a:rPr lang="en-US" smtClean="0"/>
-              <a:t>5/2/2017</a:t>
+              <a:t>5/3/17</a:t>
             </a:fld>
             <a:endParaRPr lang="en-US"/>
           </a:p>
@@ -1829,8 +1164,8 @@
         </p:nvSpPr>
         <p:spPr>
           <a:xfrm>
-            <a:off x="8724900" y="365125"/>
-            <a:ext cx="2628900" cy="5811838"/>
+            <a:off x="8724900" y="228795"/>
+            <a:ext cx="2628900" cy="3641817"/>
           </a:xfrm>
         </p:spPr>
         <p:txBody>
@@ -1856,8 +1191,8 @@
         </p:nvSpPr>
         <p:spPr>
           <a:xfrm>
-            <a:off x="838200" y="365125"/>
-            <a:ext cx="7734300" cy="5811838"/>
+            <a:off x="838200" y="228795"/>
+            <a:ext cx="7734300" cy="3641817"/>
           </a:xfrm>
         </p:spPr>
         <p:txBody>
@@ -1917,7 +1252,7 @@
           <a:p>
             <a:fld id="{00C994A5-AB32-45CA-B475-45CFA30BA6C0}" type="datetimeFigureOut">
               <a:rPr lang="en-US" smtClean="0"/>
-              <a:t>5/2/2017</a:t>
+              <a:t>5/3/17</a:t>
             </a:fld>
             <a:endParaRPr lang="en-US"/>
           </a:p>
@@ -2085,7 +1420,7 @@
           <a:p>
             <a:fld id="{00C994A5-AB32-45CA-B475-45CFA30BA6C0}" type="datetimeFigureOut">
               <a:rPr lang="en-US" smtClean="0"/>
-              <a:t>5/2/2017</a:t>
+              <a:t>5/3/17</a:t>
             </a:fld>
             <a:endParaRPr lang="en-US"/>
           </a:p>
@@ -2175,8 +1510,8 @@
         </p:nvSpPr>
         <p:spPr>
           <a:xfrm>
-            <a:off x="831850" y="1709738"/>
-            <a:ext cx="10515600" cy="2852737"/>
+            <a:off x="831850" y="1071358"/>
+            <a:ext cx="10515600" cy="1787584"/>
           </a:xfrm>
         </p:spPr>
         <p:txBody>
@@ -2206,8 +1541,8 @@
         </p:nvSpPr>
         <p:spPr>
           <a:xfrm>
-            <a:off x="831850" y="4589463"/>
-            <a:ext cx="10515600" cy="1500187"/>
+            <a:off x="831850" y="2875852"/>
+            <a:ext cx="10515600" cy="940048"/>
           </a:xfrm>
         </p:spPr>
         <p:txBody>
@@ -2330,7 +1665,7 @@
           <a:p>
             <a:fld id="{00C994A5-AB32-45CA-B475-45CFA30BA6C0}" type="datetimeFigureOut">
               <a:rPr lang="en-US" smtClean="0"/>
-              <a:t>5/2/2017</a:t>
+              <a:t>5/3/17</a:t>
             </a:fld>
             <a:endParaRPr lang="en-US"/>
           </a:p>
@@ -2442,8 +1777,8 @@
         </p:nvSpPr>
         <p:spPr>
           <a:xfrm>
-            <a:off x="838200" y="1825625"/>
-            <a:ext cx="5181600" cy="4351338"/>
+            <a:off x="838200" y="1143974"/>
+            <a:ext cx="5181600" cy="2726637"/>
           </a:xfrm>
         </p:spPr>
         <p:txBody>
@@ -2498,8 +1833,8 @@
         </p:nvSpPr>
         <p:spPr>
           <a:xfrm>
-            <a:off x="6172200" y="1825625"/>
-            <a:ext cx="5181600" cy="4351338"/>
+            <a:off x="6172200" y="1143974"/>
+            <a:ext cx="5181600" cy="2726637"/>
           </a:xfrm>
         </p:spPr>
         <p:txBody>
@@ -2559,7 +1894,7 @@
           <a:p>
             <a:fld id="{00C994A5-AB32-45CA-B475-45CFA30BA6C0}" type="datetimeFigureOut">
               <a:rPr lang="en-US" smtClean="0"/>
-              <a:t>5/2/2017</a:t>
+              <a:t>5/3/17</a:t>
             </a:fld>
             <a:endParaRPr lang="en-US"/>
           </a:p>
@@ -2649,8 +1984,8 @@
         </p:nvSpPr>
         <p:spPr>
           <a:xfrm>
-            <a:off x="839788" y="365125"/>
-            <a:ext cx="10515600" cy="1325563"/>
+            <a:off x="839788" y="228796"/>
+            <a:ext cx="10515600" cy="830625"/>
           </a:xfrm>
         </p:spPr>
         <p:txBody>
@@ -2676,8 +2011,8 @@
         </p:nvSpPr>
         <p:spPr>
           <a:xfrm>
-            <a:off x="839788" y="1681163"/>
-            <a:ext cx="5157787" cy="823912"/>
+            <a:off x="839790" y="1053451"/>
+            <a:ext cx="5157787" cy="516280"/>
           </a:xfrm>
         </p:spPr>
         <p:txBody>
@@ -2741,8 +2076,8 @@
         </p:nvSpPr>
         <p:spPr>
           <a:xfrm>
-            <a:off x="839788" y="2505075"/>
-            <a:ext cx="5157787" cy="3684588"/>
+            <a:off x="839790" y="1569731"/>
+            <a:ext cx="5157787" cy="2308838"/>
           </a:xfrm>
         </p:spPr>
         <p:txBody>
@@ -2797,8 +2132,8 @@
         </p:nvSpPr>
         <p:spPr>
           <a:xfrm>
-            <a:off x="6172200" y="1681163"/>
-            <a:ext cx="5183188" cy="823912"/>
+            <a:off x="6172200" y="1053451"/>
+            <a:ext cx="5183188" cy="516280"/>
           </a:xfrm>
         </p:spPr>
         <p:txBody>
@@ -2862,8 +2197,8 @@
         </p:nvSpPr>
         <p:spPr>
           <a:xfrm>
-            <a:off x="6172200" y="2505075"/>
-            <a:ext cx="5183188" cy="3684588"/>
+            <a:off x="6172200" y="1569731"/>
+            <a:ext cx="5183188" cy="2308838"/>
           </a:xfrm>
         </p:spPr>
         <p:txBody>
@@ -2923,7 +2258,7 @@
           <a:p>
             <a:fld id="{00C994A5-AB32-45CA-B475-45CFA30BA6C0}" type="datetimeFigureOut">
               <a:rPr lang="en-US" smtClean="0"/>
-              <a:t>5/2/2017</a:t>
+              <a:t>5/3/17</a:t>
             </a:fld>
             <a:endParaRPr lang="en-US"/>
           </a:p>
@@ -3040,7 +2375,7 @@
           <a:p>
             <a:fld id="{00C994A5-AB32-45CA-B475-45CFA30BA6C0}" type="datetimeFigureOut">
               <a:rPr lang="en-US" smtClean="0"/>
-              <a:t>5/2/2017</a:t>
+              <a:t>5/3/17</a:t>
             </a:fld>
             <a:endParaRPr lang="en-US"/>
           </a:p>
@@ -3135,7 +2470,7 @@
           <a:p>
             <a:fld id="{00C994A5-AB32-45CA-B475-45CFA30BA6C0}" type="datetimeFigureOut">
               <a:rPr lang="en-US" smtClean="0"/>
-              <a:t>5/2/2017</a:t>
+              <a:t>5/3/17</a:t>
             </a:fld>
             <a:endParaRPr lang="en-US"/>
           </a:p>
@@ -3225,8 +2560,8 @@
         </p:nvSpPr>
         <p:spPr>
           <a:xfrm>
-            <a:off x="839788" y="457200"/>
-            <a:ext cx="3932237" cy="1600200"/>
+            <a:off x="839790" y="286491"/>
+            <a:ext cx="3932237" cy="1002718"/>
           </a:xfrm>
         </p:spPr>
         <p:txBody>
@@ -3256,8 +2591,8 @@
         </p:nvSpPr>
         <p:spPr>
           <a:xfrm>
-            <a:off x="5183188" y="987425"/>
-            <a:ext cx="6172200" cy="4873625"/>
+            <a:off x="5183188" y="618742"/>
+            <a:ext cx="6172200" cy="3053913"/>
           </a:xfrm>
         </p:spPr>
         <p:txBody>
@@ -3340,8 +2675,8 @@
         </p:nvSpPr>
         <p:spPr>
           <a:xfrm>
-            <a:off x="839788" y="2057400"/>
-            <a:ext cx="3932237" cy="3811588"/>
+            <a:off x="839790" y="1289210"/>
+            <a:ext cx="3932237" cy="2388419"/>
           </a:xfrm>
         </p:spPr>
         <p:txBody>
@@ -3410,7 +2745,7 @@
           <a:p>
             <a:fld id="{00C994A5-AB32-45CA-B475-45CFA30BA6C0}" type="datetimeFigureOut">
               <a:rPr lang="en-US" smtClean="0"/>
-              <a:t>5/2/2017</a:t>
+              <a:t>5/3/17</a:t>
             </a:fld>
             <a:endParaRPr lang="en-US"/>
           </a:p>
@@ -3500,8 +2835,8 @@
         </p:nvSpPr>
         <p:spPr>
           <a:xfrm>
-            <a:off x="839788" y="457200"/>
-            <a:ext cx="3932237" cy="1600200"/>
+            <a:off x="839790" y="286491"/>
+            <a:ext cx="3932237" cy="1002718"/>
           </a:xfrm>
         </p:spPr>
         <p:txBody>
@@ -3531,8 +2866,8 @@
         </p:nvSpPr>
         <p:spPr>
           <a:xfrm>
-            <a:off x="5183188" y="987425"/>
-            <a:ext cx="6172200" cy="4873625"/>
+            <a:off x="5183188" y="618742"/>
+            <a:ext cx="6172200" cy="3053913"/>
           </a:xfrm>
         </p:spPr>
         <p:txBody>
@@ -3592,8 +2927,8 @@
         </p:nvSpPr>
         <p:spPr>
           <a:xfrm>
-            <a:off x="839788" y="2057400"/>
-            <a:ext cx="3932237" cy="3811588"/>
+            <a:off x="839790" y="1289210"/>
+            <a:ext cx="3932237" cy="2388419"/>
           </a:xfrm>
         </p:spPr>
         <p:txBody>
@@ -3662,7 +2997,7 @@
           <a:p>
             <a:fld id="{00C994A5-AB32-45CA-B475-45CFA30BA6C0}" type="datetimeFigureOut">
               <a:rPr lang="en-US" smtClean="0"/>
-              <a:t>5/2/2017</a:t>
+              <a:t>5/3/17</a:t>
             </a:fld>
             <a:endParaRPr lang="en-US"/>
           </a:p>
@@ -3757,8 +3092,8 @@
         </p:nvSpPr>
         <p:spPr>
           <a:xfrm>
-            <a:off x="838200" y="365125"/>
-            <a:ext cx="10515600" cy="1325563"/>
+            <a:off x="838200" y="228796"/>
+            <a:ext cx="10515600" cy="830625"/>
           </a:xfrm>
           <a:prstGeom prst="rect">
             <a:avLst/>
@@ -3789,8 +3124,8 @@
         </p:nvSpPr>
         <p:spPr>
           <a:xfrm>
-            <a:off x="838200" y="1825625"/>
-            <a:ext cx="10515600" cy="4351338"/>
+            <a:off x="838200" y="1143974"/>
+            <a:ext cx="10515600" cy="2726637"/>
           </a:xfrm>
           <a:prstGeom prst="rect">
             <a:avLst/>
@@ -3850,8 +3185,8 @@
         </p:nvSpPr>
         <p:spPr>
           <a:xfrm>
-            <a:off x="838200" y="6356350"/>
-            <a:ext cx="2743200" cy="365125"/>
+            <a:off x="838200" y="3983020"/>
+            <a:ext cx="2743200" cy="228795"/>
           </a:xfrm>
           <a:prstGeom prst="rect">
             <a:avLst/>
@@ -3873,7 +3208,7 @@
           <a:p>
             <a:fld id="{00C994A5-AB32-45CA-B475-45CFA30BA6C0}" type="datetimeFigureOut">
               <a:rPr lang="en-US" smtClean="0"/>
-              <a:t>5/2/2017</a:t>
+              <a:t>5/3/17</a:t>
             </a:fld>
             <a:endParaRPr lang="en-US"/>
           </a:p>
@@ -3891,8 +3226,8 @@
         </p:nvSpPr>
         <p:spPr>
           <a:xfrm>
-            <a:off x="4038600" y="6356350"/>
-            <a:ext cx="4114800" cy="365125"/>
+            <a:off x="4038600" y="3983020"/>
+            <a:ext cx="4114800" cy="228795"/>
           </a:xfrm>
           <a:prstGeom prst="rect">
             <a:avLst/>
@@ -3928,8 +3263,8 @@
         </p:nvSpPr>
         <p:spPr>
           <a:xfrm>
-            <a:off x="8610600" y="6356350"/>
-            <a:ext cx="2743200" cy="365125"/>
+            <a:off x="8610600" y="3983020"/>
+            <a:ext cx="2743200" cy="228795"/>
           </a:xfrm>
           <a:prstGeom prst="rect">
             <a:avLst/>
@@ -4280,10 +3615,10 @@
       </p:grpSpPr>
       <p:graphicFrame>
         <p:nvGraphicFramePr>
-          <p:cNvPr id="2" name="Chart 1">
+          <p:cNvPr id="6" name="Chart 5">
             <a:extLst>
               <a:ext uri="{FF2B5EF4-FFF2-40B4-BE49-F238E27FC236}">
-                <a16:creationId xmlns:a16="http://schemas.microsoft.com/office/drawing/2014/main" id="{00000000-0008-0000-0000-000002000000}"/>
+                <a16:creationId xmlns:a16="http://schemas.microsoft.com/office/drawing/2014/main" xmlns="" id="{00000000-0008-0000-0000-000002000000}"/>
               </a:ext>
             </a:extLst>
           </p:cNvPr>
@@ -4293,14 +3628,14 @@
           <p:nvPr>
             <p:extLst>
               <p:ext uri="{D42A27DB-BD31-4B8C-83A1-F6EECF244321}">
-                <p14:modId xmlns:p14="http://schemas.microsoft.com/office/powerpoint/2010/main" val="3811476408"/>
+                <p14:modId xmlns:p14="http://schemas.microsoft.com/office/powerpoint/2010/main" val="2449919888"/>
               </p:ext>
             </p:extLst>
           </p:nvPr>
         </p:nvGraphicFramePr>
         <p:xfrm>
-          <a:off x="100219" y="167919"/>
-          <a:ext cx="11985764" cy="6140115"/>
+          <a:off x="88124" y="0"/>
+          <a:ext cx="11985764" cy="4297052"/>
         </p:xfrm>
         <a:graphic>
           <a:graphicData uri="http://schemas.openxmlformats.org/drawingml/2006/chart">
@@ -4310,10 +3645,10 @@
       </p:graphicFrame>
       <p:pic>
         <p:nvPicPr>
-          <p:cNvPr id="3" name="Picture 2">
+          <p:cNvPr id="7" name="Picture 6">
             <a:extLst>
               <a:ext uri="{FF2B5EF4-FFF2-40B4-BE49-F238E27FC236}">
-                <a16:creationId xmlns:a16="http://schemas.microsoft.com/office/drawing/2014/main" id="{00000000-0008-0000-0000-000004000000}"/>
+                <a16:creationId xmlns:a16="http://schemas.microsoft.com/office/drawing/2014/main" xmlns="" id="{00000000-0008-0000-0000-000004000000}"/>
               </a:ext>
             </a:extLst>
           </p:cNvPr>
@@ -4336,8 +3671,8 @@
         </p:blipFill>
         <p:spPr>
           <a:xfrm>
-            <a:off x="9868609" y="2671925"/>
-            <a:ext cx="2217374" cy="1132101"/>
+            <a:off x="9681363" y="2168383"/>
+            <a:ext cx="2392525" cy="1221526"/>
           </a:xfrm>
           <a:prstGeom prst="rect">
             <a:avLst/>
@@ -4400,7 +3735,7 @@
     </a:clrScheme>
     <a:fontScheme name="Office">
       <a:majorFont>
-        <a:latin typeface="Calibri Light" panose="020F0302020204030204"/>
+        <a:latin typeface="Calibri Light"/>
         <a:ea typeface=""/>
         <a:cs typeface=""/>
         <a:font script="Jpan" typeface="游ゴシック Light"/>
@@ -4452,7 +3787,7 @@
         <a:font script="Tfng" typeface="Ebrima"/>
       </a:majorFont>
       <a:minorFont>
-        <a:latin typeface="Calibri" panose="020F0502020204030204"/>
+        <a:latin typeface="Calibri"/>
         <a:ea typeface=""/>
         <a:cs typeface=""/>
         <a:font script="Jpan" typeface="游ゴシック"/>
@@ -4646,7 +3981,7 @@
   <a:extraClrSchemeLst/>
   <a:extLst>
     <a:ext uri="{05A4C25C-085E-4340-85A3-A5531E510DB2}">
-      <thm15:themeFamily xmlns:thm15="http://schemas.microsoft.com/office/thememl/2012/main" name="Office Theme" id="{62F939B6-93AF-4DB8-9C6B-D6C7DFDC589F}" vid="{4A3C46E8-61CC-4603-A589-7422A47A8E4A}"/>
+      <thm15:themeFamily xmlns:thm15="http://schemas.microsoft.com/office/thememl/2012/main" xmlns="" name="Office Theme" id="{62F939B6-93AF-4DB8-9C6B-D6C7DFDC589F}" vid="{4A3C46E8-61CC-4603-A589-7422A47A8E4A}"/>
     </a:ext>
   </a:extLst>
 </a:theme>
